--- a/Exercise 4/BO Group Ex4.pptx
+++ b/Exercise 4/BO Group Ex4.pptx
@@ -216,7 +216,7 @@
           <a:p>
             <a:fld id="{29EFBA6D-BD8D-4319-9B8F-54D25DEE77D2}" type="datetimeFigureOut">
               <a:rPr lang="en-CA" smtClean="0"/>
-              <a:t>2021-11-26</a:t>
+              <a:t>2021-12-01</a:t>
             </a:fld>
             <a:endParaRPr lang="en-CA"/>
           </a:p>
@@ -523,7 +523,7 @@
           <a:p>
             <a:fld id="{C10D6541-6A28-4C84-AE9F-73751BB3182A}" type="datetimeFigureOut">
               <a:rPr lang="en-CA" smtClean="0"/>
-              <a:t>2021-11-26</a:t>
+              <a:t>2021-12-01</a:t>
             </a:fld>
             <a:endParaRPr lang="en-CA"/>
           </a:p>
@@ -801,7 +801,7 @@
           <a:p>
             <a:fld id="{C10D6541-6A28-4C84-AE9F-73751BB3182A}" type="datetimeFigureOut">
               <a:rPr lang="en-CA" smtClean="0"/>
-              <a:t>2021-11-26</a:t>
+              <a:t>2021-12-01</a:t>
             </a:fld>
             <a:endParaRPr lang="en-CA"/>
           </a:p>
@@ -981,7 +981,7 @@
           <a:p>
             <a:fld id="{C10D6541-6A28-4C84-AE9F-73751BB3182A}" type="datetimeFigureOut">
               <a:rPr lang="en-CA" smtClean="0"/>
-              <a:t>2021-11-26</a:t>
+              <a:t>2021-12-01</a:t>
             </a:fld>
             <a:endParaRPr lang="en-CA"/>
           </a:p>
@@ -1156,7 +1156,7 @@
           <a:p>
             <a:fld id="{C10D6541-6A28-4C84-AE9F-73751BB3182A}" type="datetimeFigureOut">
               <a:rPr lang="en-CA" smtClean="0"/>
-              <a:t>2021-11-26</a:t>
+              <a:t>2021-12-01</a:t>
             </a:fld>
             <a:endParaRPr lang="en-CA"/>
           </a:p>
@@ -1443,7 +1443,7 @@
           <a:p>
             <a:fld id="{C10D6541-6A28-4C84-AE9F-73751BB3182A}" type="datetimeFigureOut">
               <a:rPr lang="en-CA" smtClean="0"/>
-              <a:t>2021-11-26</a:t>
+              <a:t>2021-12-01</a:t>
             </a:fld>
             <a:endParaRPr lang="en-CA"/>
           </a:p>
@@ -1767,7 +1767,7 @@
           <a:p>
             <a:fld id="{C10D6541-6A28-4C84-AE9F-73751BB3182A}" type="datetimeFigureOut">
               <a:rPr lang="en-CA" smtClean="0"/>
-              <a:t>2021-11-26</a:t>
+              <a:t>2021-12-01</a:t>
             </a:fld>
             <a:endParaRPr lang="en-CA"/>
           </a:p>
@@ -2226,7 +2226,7 @@
           <a:p>
             <a:fld id="{C10D6541-6A28-4C84-AE9F-73751BB3182A}" type="datetimeFigureOut">
               <a:rPr lang="en-CA" smtClean="0"/>
-              <a:t>2021-11-26</a:t>
+              <a:t>2021-12-01</a:t>
             </a:fld>
             <a:endParaRPr lang="en-CA"/>
           </a:p>
@@ -2431,7 +2431,7 @@
           <a:p>
             <a:fld id="{C10D6541-6A28-4C84-AE9F-73751BB3182A}" type="datetimeFigureOut">
               <a:rPr lang="en-CA" smtClean="0"/>
-              <a:t>2021-11-26</a:t>
+              <a:t>2021-12-01</a:t>
             </a:fld>
             <a:endParaRPr lang="en-CA"/>
           </a:p>
@@ -2562,7 +2562,7 @@
           <a:p>
             <a:fld id="{C10D6541-6A28-4C84-AE9F-73751BB3182A}" type="datetimeFigureOut">
               <a:rPr lang="en-CA" smtClean="0"/>
-              <a:t>2021-11-26</a:t>
+              <a:t>2021-12-01</a:t>
             </a:fld>
             <a:endParaRPr lang="en-CA"/>
           </a:p>
@@ -2839,7 +2839,7 @@
           <a:p>
             <a:fld id="{C10D6541-6A28-4C84-AE9F-73751BB3182A}" type="datetimeFigureOut">
               <a:rPr lang="en-CA" smtClean="0"/>
-              <a:t>2021-11-26</a:t>
+              <a:t>2021-12-01</a:t>
             </a:fld>
             <a:endParaRPr lang="en-CA"/>
           </a:p>
@@ -3092,7 +3092,7 @@
           <a:p>
             <a:fld id="{C10D6541-6A28-4C84-AE9F-73751BB3182A}" type="datetimeFigureOut">
               <a:rPr lang="en-CA" smtClean="0"/>
-              <a:t>2021-11-26</a:t>
+              <a:t>2021-12-01</a:t>
             </a:fld>
             <a:endParaRPr lang="en-CA"/>
           </a:p>
@@ -5512,21 +5512,21 @@
           <a:p>
             <a:r>
               <a:rPr lang="en-US" sz="1400" dirty="0" smtClean="0"/>
-              <a:t>Submit </a:t>
-            </a:r>
-            <a:r>
-              <a:rPr lang="en-US" sz="1400" dirty="0" smtClean="0"/>
-              <a:t>all slides to </a:t>
+              <a:t>Submit all slides to </a:t>
             </a:r>
             <a:r>
               <a:rPr lang="en-US" sz="1400" dirty="0" smtClean="0">
                 <a:hlinkClick r:id="rId3"/>
               </a:rPr>
-              <a:t>Tim.Barrett@dfo.mpo.gc.ca</a:t>
+              <a:t>Tim.Barrett@dfo-mpo.gc.ca</a:t>
             </a:r>
             <a:r>
               <a:rPr lang="en-US" sz="1400" dirty="0" smtClean="0"/>
-              <a:t> when complete</a:t>
+              <a:t> </a:t>
+            </a:r>
+            <a:r>
+              <a:rPr lang="en-US" sz="1400" dirty="0" smtClean="0"/>
+              <a:t>when complete</a:t>
             </a:r>
             <a:endParaRPr lang="en-CA" sz="1400" dirty="0"/>
           </a:p>
